--- a/10_Momo/CAPER_3.25.2016_MoreyAgnew.pptx
+++ b/10_Momo/CAPER_3.25.2016_MoreyAgnew.pptx
@@ -6196,7 +6196,15 @@
             <a:pPr lvl="1"/>
             <a:r>
               <a:rPr lang="en-US" sz="1400" dirty="0" smtClean="0"/>
-              <a:t>This excel file has all of the request but we are only interested in Distribution and Solar type requests that are in the Carolinas.</a:t>
+              <a:t>This excel file has all of </a:t>
+            </a:r>
+            <a:r>
+              <a:rPr lang="en-US" sz="1400" dirty="0"/>
+              <a:t>the interconnection </a:t>
+            </a:r>
+            <a:r>
+              <a:rPr lang="en-US" sz="1400" dirty="0" smtClean="0"/>
+              <a:t>request but we are only interested in Distribution and Solar type requests that are in the Carolinas.</a:t>
             </a:r>
           </a:p>
           <a:p>
@@ -6489,7 +6497,23 @@
             </a:r>
             <a:r>
               <a:rPr lang="en-US" sz="1800" b="1" dirty="0" smtClean="0"/>
-              <a:t> Formula – Used to calculate the shortest distance over the earth’s surface. We need this to be able to find the distance between each PV request and the substation to find out which substation it’s closest too. Then we matched each request to the substation it is closest to.</a:t>
+              <a:t> Formula – Used to calculate the shortest distance over the earth’s surface. We need this to be able to find the distance between each </a:t>
+            </a:r>
+            <a:r>
+              <a:rPr lang="en-US" sz="1800" b="1" dirty="0" smtClean="0"/>
+              <a:t>PV </a:t>
+            </a:r>
+            <a:r>
+              <a:rPr lang="en-US" sz="1800" b="1" dirty="0"/>
+              <a:t>interconnection</a:t>
+            </a:r>
+            <a:r>
+              <a:rPr lang="en-US" sz="1800" b="1" dirty="0" smtClean="0"/>
+              <a:t> </a:t>
+            </a:r>
+            <a:r>
+              <a:rPr lang="en-US" sz="1800" b="1" dirty="0" smtClean="0"/>
+              <a:t>request and the substation to find out which substation it’s closest too. Then we matched each request to the substation it is closest to.</a:t>
             </a:r>
           </a:p>
           <a:p>
@@ -7396,25 +7420,53 @@
         <p:spPr/>
         <p:txBody>
           <a:bodyPr>
-            <a:normAutofit fontScale="85000" lnSpcReduction="10000"/>
+            <a:normAutofit fontScale="85000" lnSpcReduction="20000"/>
           </a:bodyPr>
           <a:lstStyle/>
           <a:p>
             <a:r>
               <a:rPr lang="en-US" sz="2000" dirty="0" smtClean="0"/>
-              <a:t>In the first table we took Substation 1 but with a 20 mile radius(using the distance formula again) to show all connected and pending PV requests.</a:t>
-            </a:r>
-          </a:p>
-          <a:p>
+              <a:t>In the first table we took Substation 1 but with a 20 mile radius(using the distance formula again) to show all connected and pending PV </a:t>
+            </a:r>
             <a:r>
               <a:rPr lang="en-US" sz="2000" dirty="0" smtClean="0"/>
-              <a:t>All the substations that have PV requests closest to them are summed together in this table</a:t>
-            </a:r>
-          </a:p>
-          <a:p>
+              <a:t>interconnection requests</a:t>
+            </a:r>
             <a:r>
               <a:rPr lang="en-US" sz="2000" dirty="0" smtClean="0"/>
-              <a:t>In the second table is the total amount of PV each type of request has in the Carolinas</a:t>
+              <a:t>.</a:t>
+            </a:r>
+          </a:p>
+          <a:p>
+            <a:r>
+              <a:rPr lang="en-US" sz="2000" dirty="0" smtClean="0"/>
+              <a:t>All the substations that have </a:t>
+            </a:r>
+            <a:r>
+              <a:rPr lang="en-US" sz="2000" dirty="0"/>
+              <a:t>PV interconnection </a:t>
+            </a:r>
+            <a:r>
+              <a:rPr lang="en-US" sz="2000" dirty="0" smtClean="0"/>
+              <a:t>requests closest to them are summed together in this table</a:t>
+            </a:r>
+          </a:p>
+          <a:p>
+            <a:r>
+              <a:rPr lang="en-US" sz="2000" dirty="0" smtClean="0"/>
+              <a:t>In the second table is the total amount </a:t>
+            </a:r>
+            <a:r>
+              <a:rPr lang="en-US" sz="2000" dirty="0" smtClean="0"/>
+              <a:t>Power</a:t>
+            </a:r>
+            <a:r>
+              <a:rPr lang="en-US" sz="2000" dirty="0" smtClean="0"/>
+              <a:t> </a:t>
+            </a:r>
+            <a:r>
+              <a:rPr lang="en-US" sz="2000" dirty="0" smtClean="0"/>
+              <a:t>each type of request has in the Carolinas</a:t>
             </a:r>
             <a:endParaRPr lang="en-US" sz="2000" dirty="0"/>
           </a:p>
@@ -7945,7 +7997,7 @@
             <p:ph sz="half" idx="2"/>
             <p:extLst>
               <p:ext uri="{D42A27DB-BD31-4B8C-83A1-F6EECF244321}">
-                <p14:modId xmlns:p14="http://schemas.microsoft.com/office/powerpoint/2010/main" val="2799366227"/>
+                <p14:modId xmlns:p14="http://schemas.microsoft.com/office/powerpoint/2010/main" val="3850185793"/>
               </p:ext>
             </p:extLst>
           </p:nvPr>
@@ -8016,7 +8068,7 @@
                     <a:p>
                       <a:r>
                         <a:rPr lang="en-US" dirty="0" smtClean="0"/>
-                        <a:t>5.0541</a:t>
+                        <a:t>5.0541%</a:t>
                       </a:r>
                       <a:endParaRPr lang="en-US" dirty="0"/>
                     </a:p>
@@ -8046,7 +8098,7 @@
                     <a:p>
                       <a:r>
                         <a:rPr lang="en-US" dirty="0" smtClean="0"/>
-                        <a:t>10.7771</a:t>
+                        <a:t>10.7771%</a:t>
                       </a:r>
                       <a:endParaRPr lang="en-US" dirty="0"/>
                     </a:p>
@@ -8076,7 +8128,7 @@
                     <a:p>
                       <a:r>
                         <a:rPr lang="en-US" dirty="0" smtClean="0"/>
-                        <a:t>8.4158</a:t>
+                        <a:t>8.4158%</a:t>
                       </a:r>
                       <a:endParaRPr lang="en-US" dirty="0"/>
                     </a:p>
